--- a/static/briefcase/vl-marching-algorithm-cover.pptx
+++ b/static/briefcase/vl-marching-algorithm-cover.pptx
@@ -270,7 +270,7 @@
           <a:p>
             <a:fld id="{AE9573A2-6BD0-4F0E-A656-AAFADB274823}" type="datetimeFigureOut">
               <a:rPr lang="en-US" smtClean="0"/>
-              <a:t>2/5/2019</a:t>
+              <a:t>2/6/2019</a:t>
             </a:fld>
             <a:endParaRPr lang="en-US"/>
           </a:p>
@@ -468,7 +468,7 @@
           <a:p>
             <a:fld id="{AE9573A2-6BD0-4F0E-A656-AAFADB274823}" type="datetimeFigureOut">
               <a:rPr lang="en-US" smtClean="0"/>
-              <a:t>2/5/2019</a:t>
+              <a:t>2/6/2019</a:t>
             </a:fld>
             <a:endParaRPr lang="en-US"/>
           </a:p>
@@ -676,7 +676,7 @@
           <a:p>
             <a:fld id="{AE9573A2-6BD0-4F0E-A656-AAFADB274823}" type="datetimeFigureOut">
               <a:rPr lang="en-US" smtClean="0"/>
-              <a:t>2/5/2019</a:t>
+              <a:t>2/6/2019</a:t>
             </a:fld>
             <a:endParaRPr lang="en-US"/>
           </a:p>
@@ -874,7 +874,7 @@
           <a:p>
             <a:fld id="{AE9573A2-6BD0-4F0E-A656-AAFADB274823}" type="datetimeFigureOut">
               <a:rPr lang="en-US" smtClean="0"/>
-              <a:t>2/5/2019</a:t>
+              <a:t>2/6/2019</a:t>
             </a:fld>
             <a:endParaRPr lang="en-US"/>
           </a:p>
@@ -1149,7 +1149,7 @@
           <a:p>
             <a:fld id="{AE9573A2-6BD0-4F0E-A656-AAFADB274823}" type="datetimeFigureOut">
               <a:rPr lang="en-US" smtClean="0"/>
-              <a:t>2/5/2019</a:t>
+              <a:t>2/6/2019</a:t>
             </a:fld>
             <a:endParaRPr lang="en-US"/>
           </a:p>
@@ -1414,7 +1414,7 @@
           <a:p>
             <a:fld id="{AE9573A2-6BD0-4F0E-A656-AAFADB274823}" type="datetimeFigureOut">
               <a:rPr lang="en-US" smtClean="0"/>
-              <a:t>2/5/2019</a:t>
+              <a:t>2/6/2019</a:t>
             </a:fld>
             <a:endParaRPr lang="en-US"/>
           </a:p>
@@ -1826,7 +1826,7 @@
           <a:p>
             <a:fld id="{AE9573A2-6BD0-4F0E-A656-AAFADB274823}" type="datetimeFigureOut">
               <a:rPr lang="en-US" smtClean="0"/>
-              <a:t>2/5/2019</a:t>
+              <a:t>2/6/2019</a:t>
             </a:fld>
             <a:endParaRPr lang="en-US"/>
           </a:p>
@@ -1967,7 +1967,7 @@
           <a:p>
             <a:fld id="{AE9573A2-6BD0-4F0E-A656-AAFADB274823}" type="datetimeFigureOut">
               <a:rPr lang="en-US" smtClean="0"/>
-              <a:t>2/5/2019</a:t>
+              <a:t>2/6/2019</a:t>
             </a:fld>
             <a:endParaRPr lang="en-US"/>
           </a:p>
@@ -2080,7 +2080,7 @@
           <a:p>
             <a:fld id="{AE9573A2-6BD0-4F0E-A656-AAFADB274823}" type="datetimeFigureOut">
               <a:rPr lang="en-US" smtClean="0"/>
-              <a:t>2/5/2019</a:t>
+              <a:t>2/6/2019</a:t>
             </a:fld>
             <a:endParaRPr lang="en-US"/>
           </a:p>
@@ -2391,7 +2391,7 @@
           <a:p>
             <a:fld id="{AE9573A2-6BD0-4F0E-A656-AAFADB274823}" type="datetimeFigureOut">
               <a:rPr lang="en-US" smtClean="0"/>
-              <a:t>2/5/2019</a:t>
+              <a:t>2/6/2019</a:t>
             </a:fld>
             <a:endParaRPr lang="en-US"/>
           </a:p>
@@ -2679,7 +2679,7 @@
           <a:p>
             <a:fld id="{AE9573A2-6BD0-4F0E-A656-AAFADB274823}" type="datetimeFigureOut">
               <a:rPr lang="en-US" smtClean="0"/>
-              <a:t>2/5/2019</a:t>
+              <a:t>2/6/2019</a:t>
             </a:fld>
             <a:endParaRPr lang="en-US"/>
           </a:p>
@@ -2920,7 +2920,7 @@
           <a:p>
             <a:fld id="{AE9573A2-6BD0-4F0E-A656-AAFADB274823}" type="datetimeFigureOut">
               <a:rPr lang="en-US" smtClean="0"/>
-              <a:t>2/5/2019</a:t>
+              <a:t>2/6/2019</a:t>
             </a:fld>
             <a:endParaRPr lang="en-US"/>
           </a:p>
@@ -3351,16 +3351,15 @@
           </p:cNvPicPr>
           <p:nvPr/>
         </p:nvPicPr>
-        <p:blipFill>
+        <p:blipFill rotWithShape="1">
           <a:blip r:embed="rId2"/>
-          <a:stretch>
-            <a:fillRect/>
-          </a:stretch>
+          <a:srcRect r="2629"/>
+          <a:stretch/>
         </p:blipFill>
         <p:spPr>
           <a:xfrm>
-            <a:off x="1354193" y="127000"/>
-            <a:ext cx="6026044" cy="6604000"/>
+            <a:off x="1121259" y="0"/>
+            <a:ext cx="6093273" cy="6858000"/>
           </a:xfrm>
           <a:prstGeom prst="rect">
             <a:avLst/>
@@ -3379,10 +3378,10 @@
       </p:pic>
       <p:pic>
         <p:nvPicPr>
-          <p:cNvPr id="6" name="Picture 5">
-            <a:extLst>
-              <a:ext uri="{FF2B5EF4-FFF2-40B4-BE49-F238E27FC236}">
-                <a16:creationId xmlns:a16="http://schemas.microsoft.com/office/drawing/2014/main" id="{A9E2511A-61FD-4E8A-A9DF-4014068F3FCA}"/>
+          <p:cNvPr id="8" name="Picture 7">
+            <a:extLst>
+              <a:ext uri="{FF2B5EF4-FFF2-40B4-BE49-F238E27FC236}">
+                <a16:creationId xmlns:a16="http://schemas.microsoft.com/office/drawing/2014/main" id="{B55A00B9-B292-4F94-94A0-90954DC81329}"/>
               </a:ext>
             </a:extLst>
           </p:cNvPr>
@@ -3405,7 +3404,7 @@
         </p:blipFill>
         <p:spPr>
           <a:xfrm>
-            <a:off x="7404100" y="127000"/>
+            <a:off x="7405138" y="3429000"/>
             <a:ext cx="3302000" cy="3302000"/>
           </a:xfrm>
           <a:prstGeom prst="rect">
@@ -3425,10 +3424,10 @@
       </p:pic>
       <p:pic>
         <p:nvPicPr>
-          <p:cNvPr id="8" name="Picture 7">
-            <a:extLst>
-              <a:ext uri="{FF2B5EF4-FFF2-40B4-BE49-F238E27FC236}">
-                <a16:creationId xmlns:a16="http://schemas.microsoft.com/office/drawing/2014/main" id="{B55A00B9-B292-4F94-94A0-90954DC81329}"/>
+          <p:cNvPr id="3" name="Picture 2">
+            <a:extLst>
+              <a:ext uri="{FF2B5EF4-FFF2-40B4-BE49-F238E27FC236}">
+                <a16:creationId xmlns:a16="http://schemas.microsoft.com/office/drawing/2014/main" id="{C8D4DF86-A9AA-4724-BD00-A70D1AD342E4}"/>
               </a:ext>
             </a:extLst>
           </p:cNvPr>
@@ -3451,7 +3450,7 @@
         </p:blipFill>
         <p:spPr>
           <a:xfrm>
-            <a:off x="7405138" y="3429000"/>
+            <a:off x="7405139" y="127000"/>
             <a:ext cx="3302000" cy="3302000"/>
           </a:xfrm>
           <a:prstGeom prst="rect">
